--- a/Lead_Generation_Presentation.pptx
+++ b/Lead_Generation_Presentation.pptx
@@ -112,6 +112,11 @@
       </a:defRPr>
     </a:lvl9pPr>
   </p:defaultTextStyle>
+  <p:extLst>
+    <p:ext uri="{EFAFB233-063F-42B5-8137-9DF3F51BA10A}">
+      <p15:sldGuideLst xmlns:p15="http://schemas.microsoft.com/office/powerpoint/2012/main"/>
+    </p:ext>
+  </p:extLst>
 </p:presentation>
 </file>
 
@@ -4198,7 +4203,12 @@
             <p:ph type="title"/>
           </p:nvPr>
         </p:nvSpPr>
-        <p:spPr/>
+        <p:spPr>
+          <a:xfrm>
+            <a:off x="838200" y="111351"/>
+            <a:ext cx="10515600" cy="1325563"/>
+          </a:xfrm>
+        </p:spPr>
         <p:txBody>
           <a:bodyPr/>
           <a:lstStyle/>
@@ -4234,8 +4244,8 @@
         </p:nvSpPr>
         <p:spPr>
           <a:xfrm>
-            <a:off x="838200" y="1436914"/>
-            <a:ext cx="10515600" cy="4740049"/>
+            <a:off x="838200" y="1184988"/>
+            <a:ext cx="10515600" cy="5411755"/>
           </a:xfrm>
         </p:spPr>
         <p:txBody>
@@ -4462,6 +4472,35 @@
               </a:rPr>
               <a:t>0.98</a:t>
             </a:r>
+          </a:p>
+          <a:p>
+            <a:r>
+              <a:rPr lang="en-US" sz="1800" u="sng" dirty="0">
+                <a:latin typeface="Bahnschrift Light SemiCondensed" panose="020B0502040204020203" pitchFamily="34" charset="0"/>
+              </a:rPr>
+              <a:t>I have combined the output of XG boost modal’s test data predictions and ‘ID’ variable of test data. So that anyone can download this </a:t>
+            </a:r>
+            <a:r>
+              <a:rPr lang="en-US" sz="1800" u="sng" dirty="0" err="1">
+                <a:latin typeface="Bahnschrift Light SemiCondensed" panose="020B0502040204020203" pitchFamily="34" charset="0"/>
+              </a:rPr>
+              <a:t>dataframe</a:t>
+            </a:r>
+            <a:r>
+              <a:rPr lang="en-US" sz="1800" u="sng" dirty="0">
+                <a:latin typeface="Bahnschrift Light SemiCondensed" panose="020B0502040204020203" pitchFamily="34" charset="0"/>
+              </a:rPr>
+              <a:t> in csv and test it directly. Final test data has around 27000 columns(left after </a:t>
+            </a:r>
+            <a:r>
+              <a:rPr lang="en-US" sz="1800" u="sng">
+                <a:latin typeface="Bahnschrift Light SemiCondensed" panose="020B0502040204020203" pitchFamily="34" charset="0"/>
+              </a:rPr>
+              <a:t>outlier removal).</a:t>
+            </a:r>
+            <a:endParaRPr lang="en-US" sz="1800" u="sng" dirty="0">
+              <a:latin typeface="Bahnschrift Light SemiCondensed" panose="020B0502040204020203" pitchFamily="34" charset="0"/>
+            </a:endParaRPr>
           </a:p>
           <a:p>
             <a:endParaRPr lang="en-US" sz="1800" u="sng" dirty="0">
